--- a/archivos/documentacion/Presentacion/presentacion 2/Presentacion.pptx
+++ b/archivos/documentacion/Presentacion/presentacion 2/Presentacion.pptx
@@ -119,7 +119,7 @@
   </p:defaultTextStyle>
   <p:extLst>
     <p:ext uri="{521415D9-36F7-43E2-AB2F-B90AF26B5E84}">
-      <p14:sectionLst xmlns:p14="http://schemas.microsoft.com/office/powerpoint/2010/main" xmlns="">
+      <p14:sectionLst xmlns="" xmlns:p14="http://schemas.microsoft.com/office/powerpoint/2010/main">
         <p14:section name="Sección predeterminada" id="{2CDDEA89-5FFE-7042-886C-6EE946F94C38}">
           <p14:sldIdLst>
             <p14:sldId id="256"/>
@@ -381,7 +381,7 @@
             <a:fld id="{3F150D65-C64D-44FB-9152-4CC2DE0C9198}" type="datetime1">
               <a:rPr lang="en-US" smtClean="0"/>
               <a:pPr/>
-              <a:t>11/29/2013</a:t>
+              <a:t>11/30/2013</a:t>
             </a:fld>
             <a:endParaRPr lang="en-US"/>
           </a:p>
@@ -596,7 +596,7 @@
             <a:fld id="{42635EB0-D091-417E-ACD5-D65E1C7D8524}" type="datetime1">
               <a:rPr lang="en-US" smtClean="0"/>
               <a:pPr/>
-              <a:t>11/29/2013</a:t>
+              <a:t>11/30/2013</a:t>
             </a:fld>
             <a:endParaRPr lang="en-US"/>
           </a:p>
@@ -773,7 +773,7 @@
             <a:fld id="{7FCA09F9-C7D6-4C52-A7E8-5101239A0BA2}" type="datetime1">
               <a:rPr lang="en-US" smtClean="0"/>
               <a:pPr/>
-              <a:t>11/29/2013</a:t>
+              <a:t>11/30/2013</a:t>
             </a:fld>
             <a:endParaRPr lang="en-US"/>
           </a:p>
@@ -940,7 +940,7 @@
             <a:fld id="{0FFE64A4-35FB-42B6-9183-2C0CE0E36649}" type="datetime1">
               <a:rPr lang="en-US" smtClean="0"/>
               <a:pPr/>
-              <a:t>11/29/2013</a:t>
+              <a:t>11/30/2013</a:t>
             </a:fld>
             <a:endParaRPr lang="en-US"/>
           </a:p>
@@ -1226,7 +1226,7 @@
             <a:fld id="{2A2683B9-6ECA-47FA-93CF-B124A0FAC208}" type="datetime1">
               <a:rPr lang="en-US" smtClean="0"/>
               <a:pPr/>
-              <a:t>11/29/2013</a:t>
+              <a:t>11/30/2013</a:t>
             </a:fld>
             <a:endParaRPr lang="en-US"/>
           </a:p>
@@ -1554,7 +1554,7 @@
             <a:fld id="{305FF66B-9476-4BB3-85E9-E01854F07F90}" type="datetime1">
               <a:rPr lang="en-US" smtClean="0"/>
               <a:pPr/>
-              <a:t>11/29/2013</a:t>
+              <a:t>11/30/2013</a:t>
             </a:fld>
             <a:endParaRPr lang="en-US"/>
           </a:p>
@@ -1981,7 +1981,7 @@
             <a:fld id="{56B23FBD-8F7D-4F85-8085-67BFDB05CB71}" type="datetime1">
               <a:rPr lang="en-US" smtClean="0"/>
               <a:pPr/>
-              <a:t>11/29/2013</a:t>
+              <a:t>11/30/2013</a:t>
             </a:fld>
             <a:endParaRPr lang="en-US"/>
           </a:p>
@@ -2156,7 +2156,7 @@
             <a:fld id="{465D789A-1220-4441-8676-44A034051BFD}" type="datetime1">
               <a:rPr lang="en-US" smtClean="0"/>
               <a:pPr/>
-              <a:t>11/29/2013</a:t>
+              <a:t>11/30/2013</a:t>
             </a:fld>
             <a:endParaRPr lang="en-US"/>
           </a:p>
@@ -2248,7 +2248,7 @@
             <a:fld id="{EF98A266-E364-4B5E-98DD-432668182E1E}" type="datetime1">
               <a:rPr lang="en-US" smtClean="0"/>
               <a:pPr/>
-              <a:t>11/29/2013</a:t>
+              <a:t>11/30/2013</a:t>
             </a:fld>
             <a:endParaRPr lang="en-US"/>
           </a:p>
@@ -2530,7 +2530,7 @@
             <a:fld id="{493F2040-9975-4642-A906-1DF87F8BE202}" type="datetime1">
               <a:rPr lang="en-US" smtClean="0"/>
               <a:pPr/>
-              <a:t>11/29/2013</a:t>
+              <a:t>11/30/2013</a:t>
             </a:fld>
             <a:endParaRPr lang="en-US"/>
           </a:p>
@@ -2831,7 +2831,7 @@
             <a:fld id="{51E52B4A-BA08-4841-AB08-A0D822ABC34D}" type="datetime1">
               <a:rPr lang="en-US" smtClean="0"/>
               <a:pPr/>
-              <a:t>11/29/2013</a:t>
+              <a:t>11/30/2013</a:t>
             </a:fld>
             <a:endParaRPr lang="en-US"/>
           </a:p>
@@ -3043,7 +3043,7 @@
             <a:fld id="{75D48070-6A81-47D0-9810-1540B9FEFF61}" type="datetime1">
               <a:rPr lang="en-US" smtClean="0"/>
               <a:pPr/>
-              <a:t>11/29/2013</a:t>
+              <a:t>11/30/2013</a:t>
             </a:fld>
             <a:endParaRPr lang="en-US"/>
           </a:p>
@@ -3701,7 +3701,7 @@
     </p:spTree>
     <p:extLst>
       <p:ext uri="{BB962C8B-B14F-4D97-AF65-F5344CB8AC3E}">
-        <p14:creationId xmlns:p14="http://schemas.microsoft.com/office/powerpoint/2010/main" xmlns="" val="84212580"/>
+        <p14:creationId xmlns="" xmlns:p14="http://schemas.microsoft.com/office/powerpoint/2010/main" val="84212580"/>
       </p:ext>
     </p:extLst>
   </p:cSld>
@@ -3709,7 +3709,7 @@
     <a:masterClrMapping/>
   </p:clrMapOvr>
   <mc:AlternateContent xmlns:mc="http://schemas.openxmlformats.org/markup-compatibility/2006">
-    <mc:Choice xmlns:p14="http://schemas.microsoft.com/office/powerpoint/2010/main" xmlns="" Requires="p14">
+    <mc:Choice xmlns="" xmlns:p14="http://schemas.microsoft.com/office/powerpoint/2010/main" Requires="p14">
       <p:transition spd="med" p14:dur="700">
         <p:fade/>
       </p:transition>
@@ -3833,6 +3833,36 @@
           </a:p>
         </p:txBody>
       </p:sp>
+      <p:pic>
+        <p:nvPicPr>
+          <p:cNvPr id="3" name="Picture"/>
+          <p:cNvPicPr/>
+          <p:nvPr/>
+        </p:nvPicPr>
+        <p:blipFill>
+          <a:blip r:embed="rId2"/>
+          <a:srcRect/>
+          <a:stretch>
+            <a:fillRect/>
+          </a:stretch>
+        </p:blipFill>
+        <p:spPr bwMode="auto">
+          <a:xfrm>
+            <a:off x="132520" y="781878"/>
+            <a:ext cx="8878957" cy="5039448"/>
+          </a:xfrm>
+          <a:prstGeom prst="rect">
+            <a:avLst/>
+          </a:prstGeom>
+          <a:noFill/>
+          <a:ln w="9525">
+            <a:noFill/>
+            <a:miter lim="800000"/>
+            <a:headEnd/>
+            <a:tailEnd/>
+          </a:ln>
+        </p:spPr>
+      </p:pic>
     </p:spTree>
   </p:cSld>
   <p:clrMapOvr>
@@ -3941,11 +3971,7 @@
             </a:r>
             <a:r>
               <a:rPr lang="es-ES" sz="2800" dirty="0" smtClean="0"/>
-              <a:t> 6ta Edición</a:t>
-            </a:r>
-            <a:r>
-              <a:rPr lang="es-ES" sz="2800" dirty="0" smtClean="0"/>
-              <a:t>.</a:t>
+              <a:t> 6ta Edición.</a:t>
             </a:r>
           </a:p>
           <a:p>
@@ -4084,7 +4110,7 @@
     </p:spTree>
     <p:extLst>
       <p:ext uri="{BB962C8B-B14F-4D97-AF65-F5344CB8AC3E}">
-        <p14:creationId xmlns:p14="http://schemas.microsoft.com/office/powerpoint/2010/main" xmlns="" val="51029955"/>
+        <p14:creationId xmlns="" xmlns:p14="http://schemas.microsoft.com/office/powerpoint/2010/main" val="51029955"/>
       </p:ext>
     </p:extLst>
   </p:cSld>
@@ -4092,7 +4118,7 @@
     <a:masterClrMapping/>
   </p:clrMapOvr>
   <mc:AlternateContent xmlns:mc="http://schemas.openxmlformats.org/markup-compatibility/2006">
-    <mc:Choice xmlns:p14="http://schemas.microsoft.com/office/powerpoint/2010/main" xmlns="" Requires="p14">
+    <mc:Choice xmlns="" xmlns:p14="http://schemas.microsoft.com/office/powerpoint/2010/main" Requires="p14">
       <p:transition spd="med" p14:dur="700">
         <p:fade/>
       </p:transition>
@@ -4142,7 +4168,7 @@
           <a:blip r:embed="rId2" cstate="print">
             <a:extLst>
               <a:ext uri="{28A0092B-C50C-407E-A947-70E740481C1C}">
-                <a14:useLocalDpi xmlns:a14="http://schemas.microsoft.com/office/drawing/2010/main" xmlns="" val="0"/>
+                <a14:useLocalDpi xmlns="" xmlns:a14="http://schemas.microsoft.com/office/drawing/2010/main" val="0"/>
               </a:ext>
             </a:extLst>
           </a:blip>
@@ -4201,7 +4227,7 @@
     </p:spTree>
     <p:extLst>
       <p:ext uri="{BB962C8B-B14F-4D97-AF65-F5344CB8AC3E}">
-        <p14:creationId xmlns:p14="http://schemas.microsoft.com/office/powerpoint/2010/main" xmlns="" val="81837359"/>
+        <p14:creationId xmlns="" xmlns:p14="http://schemas.microsoft.com/office/powerpoint/2010/main" val="81837359"/>
       </p:ext>
     </p:extLst>
   </p:cSld>
@@ -4209,7 +4235,7 @@
     <a:masterClrMapping/>
   </p:clrMapOvr>
   <mc:AlternateContent xmlns:mc="http://schemas.openxmlformats.org/markup-compatibility/2006">
-    <mc:Choice xmlns:p14="http://schemas.microsoft.com/office/powerpoint/2010/main" xmlns="" Requires="p14">
+    <mc:Choice xmlns="" xmlns:p14="http://schemas.microsoft.com/office/powerpoint/2010/main" Requires="p14">
       <p:transition spd="med" p14:dur="700">
         <p:fade/>
       </p:transition>
@@ -4307,7 +4333,7 @@
     </p:spTree>
     <p:extLst>
       <p:ext uri="{BB962C8B-B14F-4D97-AF65-F5344CB8AC3E}">
-        <p14:creationId xmlns:p14="http://schemas.microsoft.com/office/powerpoint/2010/main" xmlns="" val="1753873366"/>
+        <p14:creationId xmlns="" xmlns:p14="http://schemas.microsoft.com/office/powerpoint/2010/main" val="1753873366"/>
       </p:ext>
     </p:extLst>
   </p:cSld>
@@ -4315,7 +4341,7 @@
     <a:masterClrMapping/>
   </p:clrMapOvr>
   <mc:AlternateContent xmlns:mc="http://schemas.openxmlformats.org/markup-compatibility/2006">
-    <mc:Choice xmlns:p14="http://schemas.microsoft.com/office/powerpoint/2010/main" xmlns="" Requires="p14">
+    <mc:Choice xmlns="" xmlns:p14="http://schemas.microsoft.com/office/powerpoint/2010/main" Requires="p14">
       <p:transition spd="med" p14:dur="700">
         <p:fade/>
       </p:transition>
@@ -4419,11 +4445,7 @@
             </a:pPr>
             <a:r>
               <a:rPr lang="es-CO" sz="3600" dirty="0" smtClean="0"/>
-              <a:t>Poco </a:t>
-            </a:r>
-            <a:r>
-              <a:rPr lang="es-CO" sz="3600" dirty="0" smtClean="0"/>
-              <a:t>uso de herramientas ofimáticas.</a:t>
+              <a:t>Poco uso de herramientas ofimáticas.</a:t>
             </a:r>
           </a:p>
           <a:p>
@@ -4462,7 +4484,7 @@
     </p:spTree>
     <p:extLst>
       <p:ext uri="{BB962C8B-B14F-4D97-AF65-F5344CB8AC3E}">
-        <p14:creationId xmlns:p14="http://schemas.microsoft.com/office/powerpoint/2010/main" xmlns="" val="1126583896"/>
+        <p14:creationId xmlns="" xmlns:p14="http://schemas.microsoft.com/office/powerpoint/2010/main" val="1126583896"/>
       </p:ext>
     </p:extLst>
   </p:cSld>
@@ -4470,7 +4492,7 @@
     <a:masterClrMapping/>
   </p:clrMapOvr>
   <mc:AlternateContent xmlns:mc="http://schemas.openxmlformats.org/markup-compatibility/2006">
-    <mc:Choice xmlns:p14="http://schemas.microsoft.com/office/powerpoint/2010/main" xmlns="" Requires="p14">
+    <mc:Choice xmlns="" xmlns:p14="http://schemas.microsoft.com/office/powerpoint/2010/main" Requires="p14">
       <p:transition spd="med" p14:dur="700">
         <p:fade/>
       </p:transition>
@@ -4532,11 +4554,7 @@
           <a:p>
             <a:r>
               <a:rPr lang="es-CO" dirty="0" smtClean="0"/>
-              <a:t>Metodologías </a:t>
-            </a:r>
-            <a:r>
-              <a:rPr lang="es-CO" dirty="0" smtClean="0"/>
-              <a:t>de enseñanza</a:t>
+              <a:t>Metodologías de enseñanza</a:t>
             </a:r>
             <a:endParaRPr lang="es-ES" dirty="0"/>
           </a:p>
@@ -4957,7 +4975,7 @@
     </p:spTree>
     <p:extLst>
       <p:ext uri="{BB962C8B-B14F-4D97-AF65-F5344CB8AC3E}">
-        <p14:creationId xmlns:p14="http://schemas.microsoft.com/office/powerpoint/2010/main" xmlns="" val="2618284471"/>
+        <p14:creationId xmlns="" xmlns:p14="http://schemas.microsoft.com/office/powerpoint/2010/main" val="2618284471"/>
       </p:ext>
     </p:extLst>
   </p:cSld>
@@ -4965,7 +4983,7 @@
     <a:masterClrMapping/>
   </p:clrMapOvr>
   <mc:AlternateContent xmlns:mc="http://schemas.openxmlformats.org/markup-compatibility/2006">
-    <mc:Choice xmlns:p14="http://schemas.microsoft.com/office/powerpoint/2010/main" xmlns="" Requires="p14">
+    <mc:Choice xmlns="" xmlns:p14="http://schemas.microsoft.com/office/powerpoint/2010/main" Requires="p14">
       <p:transition spd="med" p14:dur="700">
         <p:fade/>
       </p:transition>
@@ -5065,39 +5083,7 @@
           <a:p>
             <a:r>
               <a:rPr lang="es-CO" sz="2400" dirty="0" smtClean="0"/>
-              <a:t>Este sistema está enfocado en gran parte a los módulos </a:t>
-            </a:r>
-            <a:r>
-              <a:rPr lang="es-CO" sz="2400" dirty="0" smtClean="0"/>
-              <a:t>que tenga un fin educativo y que se </a:t>
-            </a:r>
-            <a:r>
-              <a:rPr lang="es-CO" sz="2400" dirty="0" smtClean="0"/>
-              <a:t>rijan </a:t>
-            </a:r>
-            <a:r>
-              <a:rPr lang="es-CO" sz="2400" dirty="0" smtClean="0"/>
-              <a:t>bajo los parámetros de la educación </a:t>
-            </a:r>
-            <a:r>
-              <a:rPr lang="es-CO" sz="2400" dirty="0" smtClean="0"/>
-              <a:t>convencional. Centrándonos en la Técnica Profesional </a:t>
-            </a:r>
-            <a:r>
-              <a:rPr lang="es-CO" sz="2400" dirty="0" smtClean="0"/>
-              <a:t>en </a:t>
-            </a:r>
-            <a:r>
-              <a:rPr lang="es-CO" sz="2400" dirty="0" smtClean="0"/>
-              <a:t>Sistemas </a:t>
-            </a:r>
-            <a:r>
-              <a:rPr lang="es-CO" sz="2400" dirty="0" smtClean="0"/>
-              <a:t>de </a:t>
-            </a:r>
-            <a:r>
-              <a:rPr lang="es-CO" sz="2400" dirty="0" smtClean="0"/>
-              <a:t>Datos del Politécnico Colombiano Jaime Isaza Cadavid, de la cual  tenemos un mayor conocimiento de su problemática.</a:t>
+              <a:t>Este sistema está enfocado en gran parte a los módulos que tenga un fin educativo y que se rijan bajo los parámetros de la educación convencional. Centrándonos en la Técnica Profesional en Sistemas de Datos del Politécnico Colombiano Jaime Isaza Cadavid, de la cual  tenemos un mayor conocimiento de su problemática.</a:t>
             </a:r>
           </a:p>
           <a:p>
@@ -5106,15 +5092,7 @@
           <a:p>
             <a:r>
               <a:rPr lang="es-ES_tradnl" sz="2400" dirty="0" smtClean="0"/>
-              <a:t>El proyecto contara estrictamente con los siguientes módulos: usuarios, perfiles, materias, imágenes, videos, exámenes, chat, ejercicios, </a:t>
-            </a:r>
-            <a:r>
-              <a:rPr lang="es-ES_tradnl" sz="2400" dirty="0" smtClean="0"/>
-              <a:t>talleres y tablero </a:t>
-            </a:r>
-            <a:r>
-              <a:rPr lang="es-ES_tradnl" sz="2400" dirty="0" smtClean="0"/>
-              <a:t>virtual.</a:t>
+              <a:t>El proyecto contara estrictamente con los siguientes módulos: usuarios, perfiles, materias, imágenes, videos, exámenes, chat, ejercicios, talleres y tablero virtual.</a:t>
             </a:r>
           </a:p>
         </p:txBody>
@@ -5174,7 +5152,7 @@
     </p:spTree>
     <p:extLst>
       <p:ext uri="{BB962C8B-B14F-4D97-AF65-F5344CB8AC3E}">
-        <p14:creationId xmlns:p14="http://schemas.microsoft.com/office/powerpoint/2010/main" xmlns="" val="1152204458"/>
+        <p14:creationId xmlns="" xmlns:p14="http://schemas.microsoft.com/office/powerpoint/2010/main" val="1152204458"/>
       </p:ext>
     </p:extLst>
   </p:cSld>
@@ -5182,7 +5160,7 @@
     <a:masterClrMapping/>
   </p:clrMapOvr>
   <mc:AlternateContent xmlns:mc="http://schemas.openxmlformats.org/markup-compatibility/2006">
-    <mc:Choice xmlns:p14="http://schemas.microsoft.com/office/powerpoint/2010/main" xmlns="" Requires="p14">
+    <mc:Choice xmlns="" xmlns:p14="http://schemas.microsoft.com/office/powerpoint/2010/main" Requires="p14">
       <p:transition spd="med" p14:dur="700">
         <p:fade/>
       </p:transition>
@@ -5557,11 +5535,11 @@
           <a:p>
             <a:pPr algn="ctr"/>
             <a:r>
-              <a:rPr lang="es-ES_tradnl" dirty="0"/>
+              <a:rPr lang="es-ES_tradnl" sz="1600" dirty="0"/>
               <a:t>Administrar  </a:t>
             </a:r>
             <a:r>
-              <a:rPr lang="es-ES_tradnl" dirty="0" smtClean="0"/>
+              <a:rPr lang="es-ES_tradnl" sz="1600" dirty="0" smtClean="0"/>
               <a:t>evaluaciones </a:t>
             </a:r>
             <a:r>
@@ -5659,7 +5637,7 @@
     </p:spTree>
     <p:extLst>
       <p:ext uri="{BB962C8B-B14F-4D97-AF65-F5344CB8AC3E}">
-        <p14:creationId xmlns:p14="http://schemas.microsoft.com/office/powerpoint/2010/main" xmlns="" val="4220489925"/>
+        <p14:creationId xmlns="" xmlns:p14="http://schemas.microsoft.com/office/powerpoint/2010/main" val="4220489925"/>
       </p:ext>
     </p:extLst>
   </p:cSld>
@@ -5667,7 +5645,7 @@
     <a:masterClrMapping/>
   </p:clrMapOvr>
   <mc:AlternateContent xmlns:mc="http://schemas.openxmlformats.org/markup-compatibility/2006">
-    <mc:Choice xmlns:p14="http://schemas.microsoft.com/office/powerpoint/2010/main" xmlns="" Requires="p14">
+    <mc:Choice xmlns="" xmlns:p14="http://schemas.microsoft.com/office/powerpoint/2010/main" Requires="p14">
       <p:transition spd="med" p14:dur="700">
         <p:fade/>
       </p:transition>
@@ -5729,15 +5707,7 @@
           <a:p>
             <a:r>
               <a:rPr lang="es-ES" dirty="0" smtClean="0"/>
-              <a:t>Diagrama </a:t>
-            </a:r>
-            <a:r>
-              <a:rPr lang="es-ES" dirty="0" smtClean="0"/>
-              <a:t>de </a:t>
-            </a:r>
-            <a:r>
-              <a:rPr lang="es-ES" dirty="0" smtClean="0"/>
-              <a:t>paquetes</a:t>
+              <a:t>Diagrama de paquetes</a:t>
             </a:r>
             <a:endParaRPr lang="es-CO" dirty="0"/>
           </a:p>
